--- a/final/docs/AIT526_Team9_YP_IP_PPT.pptx
+++ b/final/docs/AIT526_Team9_YP_IP_PPT.pptx
@@ -246,7 +246,7 @@
           <a:p>
             <a:fld id="{0248B25D-8766-427E-8C9E-4845048D8DFC}" type="datetimeFigureOut">
               <a:rPr lang="en-US" smtClean="0"/>
-              <a:t>7/12/2023</a:t>
+              <a:t>7/13/2023</a:t>
             </a:fld>
             <a:endParaRPr lang="en-US" dirty="0"/>
           </a:p>
@@ -423,7 +423,7 @@
           <a:p>
             <a:fld id="{426F439B-391B-4B41-826A-951FCF412C34}" type="datetimeFigureOut">
               <a:rPr lang="en-US" smtClean="0"/>
-              <a:t>7/12/2023</a:t>
+              <a:t>7/13/2023</a:t>
             </a:fld>
             <a:endParaRPr lang="en-US" dirty="0"/>
           </a:p>
@@ -10502,7 +10502,7 @@
             </a:ln>
             <a:extLst>
               <a:ext uri="{C572A759-6A51-4108-AA02-DFA0A04FC94B}">
-                <ma14:wrappingTextBoxFlag xmlns:ma14="http://schemas.microsoft.com/office/mac/drawingml/2011/main" xmlns="" val="1"/>
+                <ma14:wrappingTextBoxFlag xmlns="" xmlns:ma14="http://schemas.microsoft.com/office/mac/drawingml/2011/main" val="1"/>
               </a:ext>
             </a:extLst>
           </p:spPr>
@@ -10738,7 +10738,7 @@
             </a:ln>
             <a:extLst>
               <a:ext uri="{C572A759-6A51-4108-AA02-DFA0A04FC94B}">
-                <ma14:wrappingTextBoxFlag xmlns:ma14="http://schemas.microsoft.com/office/mac/drawingml/2011/main" xmlns="" val="1"/>
+                <ma14:wrappingTextBoxFlag xmlns="" xmlns:ma14="http://schemas.microsoft.com/office/mac/drawingml/2011/main" val="1"/>
               </a:ext>
             </a:extLst>
           </p:spPr>
@@ -10974,7 +10974,7 @@
             </a:ln>
             <a:extLst>
               <a:ext uri="{C572A759-6A51-4108-AA02-DFA0A04FC94B}">
-                <ma14:wrappingTextBoxFlag xmlns:ma14="http://schemas.microsoft.com/office/mac/drawingml/2011/main" xmlns="" val="1"/>
+                <ma14:wrappingTextBoxFlag xmlns="" xmlns:ma14="http://schemas.microsoft.com/office/mac/drawingml/2011/main" val="1"/>
               </a:ext>
             </a:extLst>
           </p:spPr>
@@ -46073,123 +46073,145 @@
             <p:ph type="body" sz="quarter" idx="11"/>
           </p:nvPr>
         </p:nvSpPr>
-        <p:spPr/>
-        <p:txBody>
-          <a:bodyPr/>
+        <p:spPr>
+          <a:xfrm>
+            <a:off x="3305175" y="883594"/>
+            <a:ext cx="4568201" cy="5165490"/>
+          </a:xfrm>
+        </p:spPr>
+        <p:txBody>
+          <a:bodyPr>
+            <a:normAutofit/>
+          </a:bodyPr>
           <a:lstStyle/>
           <a:p>
-            <a:r>
-              <a:rPr lang="en-US" dirty="0"/>
+            <a:pPr marL="285750" indent="-285750">
+              <a:buFont typeface="Arial" panose="020B0604020202020204" pitchFamily="34" charset="0"/>
+              <a:buChar char="•"/>
+            </a:pPr>
+            <a:r>
+              <a:rPr lang="en-US" sz="1800" dirty="0"/>
               <a:t>Introduction</a:t>
             </a:r>
           </a:p>
-        </p:txBody>
-      </p:sp>
-      <p:sp>
-        <p:nvSpPr>
-          <p:cNvPr id="35" name="Text Placeholder 34">
-            <a:extLst>
-              <a:ext uri="{FF2B5EF4-FFF2-40B4-BE49-F238E27FC236}">
-                <a16:creationId xmlns:a16="http://schemas.microsoft.com/office/drawing/2014/main" id="{ADE35233-6DEE-4B97-AFFB-06DE78443B4A}"/>
-              </a:ext>
-            </a:extLst>
-          </p:cNvPr>
-          <p:cNvSpPr>
-            <a:spLocks noGrp="1"/>
-          </p:cNvSpPr>
-          <p:nvPr>
-            <p:ph type="body" sz="quarter" idx="13"/>
-          </p:nvPr>
-        </p:nvSpPr>
-        <p:spPr/>
-        <p:txBody>
-          <a:bodyPr/>
-          <a:lstStyle/>
-          <a:p>
-            <a:endParaRPr lang="en-US" dirty="0"/>
-          </a:p>
-        </p:txBody>
-      </p:sp>
-      <p:sp>
-        <p:nvSpPr>
-          <p:cNvPr id="34" name="Text Placeholder 33">
-            <a:extLst>
-              <a:ext uri="{FF2B5EF4-FFF2-40B4-BE49-F238E27FC236}">
-                <a16:creationId xmlns:a16="http://schemas.microsoft.com/office/drawing/2014/main" id="{187271B6-523F-4DCD-A006-84BF4C0C784C}"/>
-              </a:ext>
-            </a:extLst>
-          </p:cNvPr>
-          <p:cNvSpPr>
-            <a:spLocks noGrp="1"/>
-          </p:cNvSpPr>
-          <p:nvPr>
-            <p:ph type="body" sz="quarter" idx="14"/>
-          </p:nvPr>
-        </p:nvSpPr>
-        <p:spPr/>
-        <p:txBody>
-          <a:bodyPr/>
-          <a:lstStyle/>
-          <a:p>
-            <a:r>
-              <a:rPr lang="en-US" dirty="0"/>
-              <a:t>Lorem ipsum dolor sit amet, consectetur adipiscing elit phasellus auctor efficitur.</a:t>
-            </a:r>
-          </a:p>
-        </p:txBody>
-      </p:sp>
-      <p:sp>
-        <p:nvSpPr>
-          <p:cNvPr id="33" name="Text Placeholder 32">
-            <a:extLst>
-              <a:ext uri="{FF2B5EF4-FFF2-40B4-BE49-F238E27FC236}">
-                <a16:creationId xmlns:a16="http://schemas.microsoft.com/office/drawing/2014/main" id="{F23411C8-1DB7-46A1-A6DC-41EACD30ED57}"/>
-              </a:ext>
-            </a:extLst>
-          </p:cNvPr>
-          <p:cNvSpPr>
-            <a:spLocks noGrp="1"/>
-          </p:cNvSpPr>
-          <p:nvPr>
-            <p:ph type="body" sz="quarter" idx="15"/>
-          </p:nvPr>
-        </p:nvSpPr>
-        <p:spPr/>
-        <p:txBody>
-          <a:bodyPr/>
-          <a:lstStyle/>
-          <a:p>
-            <a:r>
-              <a:rPr lang="en-US" dirty="0"/>
-              <a:t>Lorem ipsum dolor sit amet, consectetur adipiscing elit phasellus auctor efficitur.</a:t>
-            </a:r>
-          </a:p>
-        </p:txBody>
-      </p:sp>
-      <p:sp>
-        <p:nvSpPr>
-          <p:cNvPr id="11" name="Text Placeholder 10">
-            <a:extLst>
-              <a:ext uri="{FF2B5EF4-FFF2-40B4-BE49-F238E27FC236}">
-                <a16:creationId xmlns:a16="http://schemas.microsoft.com/office/drawing/2014/main" id="{47B21F6A-5FD9-417C-9575-4DBC3185FD87}"/>
-              </a:ext>
-            </a:extLst>
-          </p:cNvPr>
-          <p:cNvSpPr>
-            <a:spLocks noGrp="1"/>
-          </p:cNvSpPr>
-          <p:nvPr>
-            <p:ph type="body" sz="quarter" idx="16"/>
-          </p:nvPr>
-        </p:nvSpPr>
-        <p:spPr/>
-        <p:txBody>
-          <a:bodyPr/>
-          <a:lstStyle/>
-          <a:p>
-            <a:r>
-              <a:rPr lang="en-US" dirty="0"/>
-              <a:t>Lorem ipsum dolor sit amet, consectetur adipiscing elit phasellus auctor efficitur.</a:t>
+          <a:p>
+            <a:pPr marL="285750" indent="-285750">
+              <a:buFont typeface="Arial" panose="020B0604020202020204" pitchFamily="34" charset="0"/>
+              <a:buChar char="•"/>
+            </a:pPr>
+            <a:r>
+              <a:rPr lang="en-US" sz="1800" dirty="0"/>
+              <a:t>Limitations of Star-based Ranking system</a:t>
+            </a:r>
+          </a:p>
+          <a:p>
+            <a:pPr marL="285750" indent="-285750">
+              <a:buFont typeface="Arial" panose="020B0604020202020204" pitchFamily="34" charset="0"/>
+              <a:buChar char="•"/>
+            </a:pPr>
+            <a:r>
+              <a:rPr lang="en-US" sz="1800" dirty="0"/>
+              <a:t>Leveraging Sentiment Analysis</a:t>
+            </a:r>
+          </a:p>
+          <a:p>
+            <a:pPr marL="285750" indent="-285750">
+              <a:buFont typeface="Arial" panose="020B0604020202020204" pitchFamily="34" charset="0"/>
+              <a:buChar char="•"/>
+            </a:pPr>
+            <a:r>
+              <a:rPr lang="en-US" sz="1800" dirty="0"/>
+              <a:t>Solution Approach</a:t>
+            </a:r>
+          </a:p>
+          <a:p>
+            <a:pPr marL="285750" indent="-285750">
+              <a:buFont typeface="Arial" panose="020B0604020202020204" pitchFamily="34" charset="0"/>
+              <a:buChar char="•"/>
+            </a:pPr>
+            <a:r>
+              <a:rPr lang="en-US" sz="1800" dirty="0"/>
+              <a:t>LSTM Model Architecture</a:t>
+            </a:r>
+          </a:p>
+          <a:p>
+            <a:pPr marL="285750" indent="-285750">
+              <a:buFont typeface="Arial" panose="020B0604020202020204" pitchFamily="34" charset="0"/>
+              <a:buChar char="•"/>
+            </a:pPr>
+            <a:r>
+              <a:rPr lang="en-US" sz="1800" dirty="0"/>
+              <a:t>LSTM Model Development approach</a:t>
+            </a:r>
+          </a:p>
+          <a:p>
+            <a:pPr marL="285750" indent="-285750">
+              <a:buFont typeface="Arial" panose="020B0604020202020204" pitchFamily="34" charset="0"/>
+              <a:buChar char="•"/>
+            </a:pPr>
+            <a:r>
+              <a:rPr lang="en-US" sz="1800" dirty="0"/>
+              <a:t>Transformer Model Development Approach</a:t>
+            </a:r>
+          </a:p>
+          <a:p>
+            <a:pPr marL="285750" indent="-285750">
+              <a:buFont typeface="Arial" panose="020B0604020202020204" pitchFamily="34" charset="0"/>
+              <a:buChar char="•"/>
+            </a:pPr>
+            <a:r>
+              <a:rPr lang="en-US" sz="1800" dirty="0"/>
+              <a:t>Solution Environment and Specifications </a:t>
+            </a:r>
+          </a:p>
+          <a:p>
+            <a:pPr marL="285750" indent="-285750">
+              <a:buFont typeface="Arial" panose="020B0604020202020204" pitchFamily="34" charset="0"/>
+              <a:buChar char="•"/>
+            </a:pPr>
+            <a:r>
+              <a:rPr lang="en-US" sz="1800" dirty="0"/>
+              <a:t>Model Performance Comparison</a:t>
+            </a:r>
+          </a:p>
+          <a:p>
+            <a:pPr marL="285750" indent="-285750">
+              <a:buFont typeface="Arial" panose="020B0604020202020204" pitchFamily="34" charset="0"/>
+              <a:buChar char="•"/>
+            </a:pPr>
+            <a:r>
+              <a:rPr lang="en-US" sz="1800" dirty="0"/>
+              <a:t>Conclusion</a:t>
+            </a:r>
+          </a:p>
+          <a:p>
+            <a:pPr marL="285750" indent="-285750">
+              <a:buFont typeface="Arial" panose="020B0604020202020204" pitchFamily="34" charset="0"/>
+              <a:buChar char="•"/>
+            </a:pPr>
+            <a:r>
+              <a:rPr lang="en-US" sz="1800" dirty="0"/>
+              <a:t>Future Work</a:t>
+            </a:r>
+          </a:p>
+          <a:p>
+            <a:pPr marL="285750" indent="-285750">
+              <a:buFont typeface="Arial" panose="020B0604020202020204" pitchFamily="34" charset="0"/>
+              <a:buChar char="•"/>
+            </a:pPr>
+            <a:r>
+              <a:rPr lang="en-US" sz="1800" dirty="0"/>
+              <a:t>References</a:t>
+            </a:r>
+          </a:p>
+          <a:p>
+            <a:pPr marL="285750" indent="-285750">
+              <a:buFont typeface="Arial" panose="020B0604020202020204" pitchFamily="34" charset="0"/>
+              <a:buChar char="•"/>
+            </a:pPr>
+            <a:r>
+              <a:rPr lang="en-US" sz="1800" dirty="0"/>
+              <a:t>Questions</a:t>
             </a:r>
           </a:p>
         </p:txBody>
